--- a/MidtermPRE/MusierMidtermFront.pptx
+++ b/MidtermPRE/MusierMidtermFront.pptx
@@ -8312,7 +8312,7 @@
           </p:nvPr>
         </p:nvPicPr>
         <p:blipFill>
-          <a:blip r:embed="rId5"/>
+          <a:blip r:embed="rId9"/>
           <a:stretch>
             <a:fillRect/>
           </a:stretch>
@@ -8379,6 +8379,78 @@
           </a:p>
         </p:txBody>
       </p:sp>
+      <p:pic>
+        <p:nvPicPr>
+          <p:cNvPr id="7" name="2">
+            <a:hlinkClick r:id="" action="ppaction://media"/>
+          </p:cNvPr>
+          <p:cNvPicPr>
+            <a:picLocks noChangeAspect="1"/>
+          </p:cNvPicPr>
+          <p:nvPr>
+            <a:audioFile r:link="rId4"/>
+            <p:extLst>
+              <p:ext uri="{DAA4B4D4-6D71-4841-9C94-3DE7FCFB9230}">
+                <p14:media xmlns:p14="http://schemas.microsoft.com/office/powerpoint/2010/main" r:embed="rId3"/>
+              </p:ext>
+            </p:extLst>
+          </p:nvPr>
+        </p:nvPicPr>
+        <p:blipFill>
+          <a:blip r:embed="rId10"/>
+          <a:stretch>
+            <a:fillRect/>
+          </a:stretch>
+        </p:blipFill>
+        <p:spPr>
+          <a:xfrm>
+            <a:off x="8244408" y="143318"/>
+            <a:ext cx="304800" cy="304800"/>
+          </a:xfrm>
+          <a:prstGeom prst="rect">
+            <a:avLst/>
+          </a:prstGeom>
+        </p:spPr>
+      </p:pic>
+      <p:pic>
+        <p:nvPicPr>
+          <p:cNvPr id="9" name="3">
+            <a:hlinkClick r:id="" action="ppaction://media"/>
+          </p:cNvPr>
+          <p:cNvPicPr>
+            <a:picLocks noChangeAspect="1"/>
+          </p:cNvPicPr>
+          <p:nvPr>
+            <a:audioFile r:link="rId6"/>
+            <p:extLst>
+              <p:ext uri="{DAA4B4D4-6D71-4841-9C94-3DE7FCFB9230}">
+                <p14:media xmlns:p14="http://schemas.microsoft.com/office/powerpoint/2010/main" r:embed="rId5"/>
+              </p:ext>
+            </p:extLst>
+          </p:nvPr>
+        </p:nvPicPr>
+        <p:blipFill>
+          <a:blip r:embed="rId10"/>
+          <a:stretch>
+            <a:fillRect/>
+          </a:stretch>
+        </p:blipFill>
+        <p:spPr>
+          <a:xfrm>
+            <a:off x="8712460" y="146414"/>
+            <a:ext cx="304800" cy="304800"/>
+          </a:xfrm>
+          <a:prstGeom prst="rect">
+            <a:avLst/>
+          </a:prstGeom>
+          <a:noFill/>
+          <a:ln>
+            <a:solidFill>
+              <a:schemeClr val="accent1"/>
+            </a:solidFill>
+          </a:ln>
+        </p:spPr>
+      </p:pic>
     </p:spTree>
     <p:extLst>
       <p:ext uri="{BB962C8B-B14F-4D97-AF65-F5344CB8AC3E}">
@@ -8478,6 +8550,160 @@
                 </p:cTn>
                 <p:tgtEl>
                   <p:spTgt spid="8"/>
+                </p:tgtEl>
+              </p:cMediaNode>
+            </p:audio>
+            <p:seq concurrent="1" nextAc="seek">
+              <p:cTn id="8" restart="whenNotActive" fill="hold" evtFilter="cancelBubble" nodeType="interactiveSeq">
+                <p:stCondLst>
+                  <p:cond evt="onClick" delay="0">
+                    <p:tgtEl>
+                      <p:spTgt spid="7"/>
+                    </p:tgtEl>
+                  </p:cond>
+                </p:stCondLst>
+                <p:endSync evt="end" delay="0">
+                  <p:rtn val="all"/>
+                </p:endSync>
+                <p:childTnLst>
+                  <p:par>
+                    <p:cTn id="9" fill="hold">
+                      <p:stCondLst>
+                        <p:cond delay="0"/>
+                      </p:stCondLst>
+                      <p:childTnLst>
+                        <p:par>
+                          <p:cTn id="10" fill="hold">
+                            <p:stCondLst>
+                              <p:cond delay="0"/>
+                            </p:stCondLst>
+                            <p:childTnLst>
+                              <p:par>
+                                <p:cTn id="11" presetID="1" presetClass="mediacall" presetSubtype="0" fill="hold" nodeType="clickEffect">
+                                  <p:stCondLst>
+                                    <p:cond delay="0"/>
+                                  </p:stCondLst>
+                                  <p:childTnLst>
+                                    <p:cmd type="call" cmd="playFrom(0.0)">
+                                      <p:cBhvr>
+                                        <p:cTn id="12" dur="17554" fill="hold"/>
+                                        <p:tgtEl>
+                                          <p:spTgt spid="7"/>
+                                        </p:tgtEl>
+                                      </p:cBhvr>
+                                    </p:cmd>
+                                  </p:childTnLst>
+                                </p:cTn>
+                              </p:par>
+                            </p:childTnLst>
+                          </p:cTn>
+                        </p:par>
+                      </p:childTnLst>
+                    </p:cTn>
+                  </p:par>
+                </p:childTnLst>
+              </p:cTn>
+              <p:nextCondLst>
+                <p:cond evt="onClick" delay="0">
+                  <p:tgtEl>
+                    <p:spTgt spid="7"/>
+                  </p:tgtEl>
+                </p:cond>
+              </p:nextCondLst>
+            </p:seq>
+            <p:audio>
+              <p:cMediaNode vol="80000">
+                <p:cTn id="13" fill="hold" display="0">
+                  <p:stCondLst>
+                    <p:cond delay="indefinite"/>
+                  </p:stCondLst>
+                  <p:endCondLst>
+                    <p:cond evt="onStopAudio" delay="0">
+                      <p:tgtEl>
+                        <p:sldTgt/>
+                      </p:tgtEl>
+                    </p:cond>
+                  </p:endCondLst>
+                </p:cTn>
+                <p:tgtEl>
+                  <p:spTgt spid="7"/>
+                </p:tgtEl>
+              </p:cMediaNode>
+            </p:audio>
+            <p:seq concurrent="1" nextAc="seek">
+              <p:cTn id="14" restart="whenNotActive" fill="hold" evtFilter="cancelBubble" nodeType="interactiveSeq">
+                <p:stCondLst>
+                  <p:cond evt="onClick" delay="0">
+                    <p:tgtEl>
+                      <p:spTgt spid="9"/>
+                    </p:tgtEl>
+                  </p:cond>
+                </p:stCondLst>
+                <p:endSync evt="end" delay="0">
+                  <p:rtn val="all"/>
+                </p:endSync>
+                <p:childTnLst>
+                  <p:par>
+                    <p:cTn id="15" fill="hold">
+                      <p:stCondLst>
+                        <p:cond delay="0"/>
+                      </p:stCondLst>
+                      <p:childTnLst>
+                        <p:par>
+                          <p:cTn id="16" fill="hold">
+                            <p:stCondLst>
+                              <p:cond delay="0"/>
+                            </p:stCondLst>
+                            <p:childTnLst>
+                              <p:par>
+                                <p:cTn id="17" presetID="1" presetClass="mediacall" presetSubtype="0" fill="hold" nodeType="clickEffect">
+                                  <p:stCondLst>
+                                    <p:cond delay="0"/>
+                                  </p:stCondLst>
+                                  <p:childTnLst>
+                                    <p:cmd type="call" cmd="playFrom(0.0)">
+                                      <p:cBhvr>
+                                        <p:cTn id="18" dur="17554" fill="hold"/>
+                                        <p:tgtEl>
+                                          <p:spTgt spid="9"/>
+                                        </p:tgtEl>
+                                      </p:cBhvr>
+                                    </p:cmd>
+                                  </p:childTnLst>
+                                </p:cTn>
+                              </p:par>
+                            </p:childTnLst>
+                          </p:cTn>
+                        </p:par>
+                      </p:childTnLst>
+                    </p:cTn>
+                  </p:par>
+                </p:childTnLst>
+              </p:cTn>
+              <p:nextCondLst>
+                <p:cond evt="onClick" delay="0">
+                  <p:tgtEl>
+                    <p:spTgt spid="9"/>
+                  </p:tgtEl>
+                </p:cond>
+              </p:nextCondLst>
+            </p:seq>
+            <p:audio>
+              <p:cMediaNode vol="80000">
+                <p:cTn id="19" fill="hold" display="0">
+                  <p:stCondLst>
+                    <p:cond delay="indefinite"/>
+                  </p:stCondLst>
+                  <p:endCondLst>
+                    <p:cond evt="onStopAudio" delay="0">
+                      <p:tgtEl>
+                        <p:sldTgt/>
+                      </p:tgtEl>
+                    </p:cond>
+                  </p:endCondLst>
+                </p:cTn>
+                <p:tgtEl>
+                  <p:spTgt spid="9"/>
                 </p:tgtEl>
               </p:cMediaNode>
             </p:audio>
@@ -14451,16 +14677,6 @@
               </a:rPr>
               <a:t>You will have an idea later. :D</a:t>
             </a:r>
-            <a:endParaRPr lang="en-US" smtClean="0">
-              <a:solidFill>
-                <a:schemeClr val="bg2">
-                  <a:lumMod val="25000"/>
-                </a:schemeClr>
-              </a:solidFill>
-              <a:latin typeface="Calibri" panose="020F0502020204030204" pitchFamily="34" charset="0"/>
-              <a:ea typeface="站酷快乐体2016修订版" panose="02010600030101010101" pitchFamily="2" charset="-122"/>
-              <a:cs typeface="Calibri" panose="020F0502020204030204" pitchFamily="34" charset="0"/>
-            </a:endParaRPr>
           </a:p>
           <a:p>
             <a:endParaRPr lang="en-US">
@@ -22293,7 +22509,7 @@
           <p:nvPr/>
         </p:nvPicPr>
         <p:blipFill>
-          <a:blip r:embed="rId4" cstate="screen"/>
+          <a:blip r:embed="rId6" cstate="screen"/>
           <a:srcRect/>
           <a:stretch>
             <a:fillRect/>
@@ -22366,6 +22582,45 @@
           </a:p>
         </p:txBody>
       </p:sp>
+      <p:pic>
+        <p:nvPicPr>
+          <p:cNvPr id="2" name="09302-q">
+            <a:hlinkClick r:id="" action="ppaction://media"/>
+          </p:cNvPr>
+          <p:cNvPicPr>
+            <a:picLocks noChangeAspect="1"/>
+          </p:cNvPicPr>
+          <p:nvPr>
+            <a:audioFile r:link="rId3"/>
+            <p:extLst>
+              <p:ext uri="{DAA4B4D4-6D71-4841-9C94-3DE7FCFB9230}">
+                <p14:media xmlns:p14="http://schemas.microsoft.com/office/powerpoint/2010/main" r:embed="rId2"/>
+              </p:ext>
+            </p:extLst>
+          </p:nvPr>
+        </p:nvPicPr>
+        <p:blipFill>
+          <a:blip r:embed="rId7"/>
+          <a:stretch>
+            <a:fillRect/>
+          </a:stretch>
+        </p:blipFill>
+        <p:spPr>
+          <a:xfrm>
+            <a:off x="8712460" y="88268"/>
+            <a:ext cx="304800" cy="304800"/>
+          </a:xfrm>
+          <a:prstGeom prst="rect">
+            <a:avLst/>
+          </a:prstGeom>
+          <a:noFill/>
+          <a:ln>
+            <a:solidFill>
+              <a:schemeClr val="accent1"/>
+            </a:solidFill>
+          </a:ln>
+        </p:spPr>
+      </p:pic>
     </p:spTree>
     <p:extLst>
       <p:ext uri="{BB962C8B-B14F-4D97-AF65-F5344CB8AC3E}">
@@ -22382,7 +22637,87 @@
   <p:timing>
     <p:tnLst>
       <p:par>
-        <p:cTn id="1" dur="indefinite" restart="never" nodeType="tmRoot"/>
+        <p:cTn id="1" dur="indefinite" restart="never" nodeType="tmRoot">
+          <p:childTnLst>
+            <p:seq concurrent="1" nextAc="seek">
+              <p:cTn id="2" restart="whenNotActive" fill="hold" evtFilter="cancelBubble" nodeType="interactiveSeq">
+                <p:stCondLst>
+                  <p:cond evt="onClick" delay="0">
+                    <p:tgtEl>
+                      <p:spTgt spid="2"/>
+                    </p:tgtEl>
+                  </p:cond>
+                </p:stCondLst>
+                <p:endSync evt="end" delay="0">
+                  <p:rtn val="all"/>
+                </p:endSync>
+                <p:childTnLst>
+                  <p:par>
+                    <p:cTn id="3" fill="hold">
+                      <p:stCondLst>
+                        <p:cond delay="0"/>
+                      </p:stCondLst>
+                      <p:childTnLst>
+                        <p:par>
+                          <p:cTn id="4" fill="hold">
+                            <p:stCondLst>
+                              <p:cond delay="0"/>
+                            </p:stCondLst>
+                            <p:childTnLst>
+                              <p:par>
+                                <p:cTn id="5" presetID="1" presetClass="mediacall" presetSubtype="0" fill="hold" nodeType="clickEffect">
+                                  <p:stCondLst>
+                                    <p:cond delay="0"/>
+                                  </p:stCondLst>
+                                  <p:childTnLst>
+                                    <p:cmd type="call" cmd="playFrom(0.0)">
+                                      <p:cBhvr>
+                                        <p:cTn id="6" dur="71000" fill="hold"/>
+                                        <p:tgtEl>
+                                          <p:spTgt spid="2"/>
+                                        </p:tgtEl>
+                                      </p:cBhvr>
+                                    </p:cmd>
+                                  </p:childTnLst>
+                                </p:cTn>
+                              </p:par>
+                            </p:childTnLst>
+                          </p:cTn>
+                        </p:par>
+                      </p:childTnLst>
+                    </p:cTn>
+                  </p:par>
+                </p:childTnLst>
+              </p:cTn>
+              <p:nextCondLst>
+                <p:cond evt="onClick" delay="0">
+                  <p:tgtEl>
+                    <p:spTgt spid="2"/>
+                  </p:tgtEl>
+                </p:cond>
+              </p:nextCondLst>
+            </p:seq>
+            <p:audio>
+              <p:cMediaNode vol="80000">
+                <p:cTn id="7" fill="hold" display="0">
+                  <p:stCondLst>
+                    <p:cond delay="indefinite"/>
+                  </p:stCondLst>
+                  <p:endCondLst>
+                    <p:cond evt="onStopAudio" delay="0">
+                      <p:tgtEl>
+                        <p:sldTgt/>
+                      </p:tgtEl>
+                    </p:cond>
+                  </p:endCondLst>
+                </p:cTn>
+                <p:tgtEl>
+                  <p:spTgt spid="2"/>
+                </p:tgtEl>
+              </p:cMediaNode>
+            </p:audio>
+          </p:childTnLst>
+        </p:cTn>
       </p:par>
     </p:tnLst>
   </p:timing>
